--- a/动态偏差/因果纠偏时间感知推荐/新建 PPTX 演示文稿.pptx
+++ b/动态偏差/因果纠偏时间感知推荐/新建 PPTX 演示文稿.pptx
@@ -18,11 +18,16 @@
     <p:sldId id="263" r:id="rId11"/>
     <p:sldId id="264" r:id="rId12"/>
     <p:sldId id="267" r:id="rId13"/>
+    <p:sldId id="272" r:id="rId14"/>
+    <p:sldId id="273" r:id="rId15"/>
+    <p:sldId id="274" r:id="rId16"/>
+    <p:sldId id="275" r:id="rId17"/>
+    <p:sldId id="276" r:id="rId18"/>
   </p:sldIdLst>
   <p:sldSz cx="12192000" cy="6858000"/>
   <p:notesSz cx="6858000" cy="9144000"/>
   <p:custDataLst>
-    <p:tags r:id="rId18"/>
+    <p:tags r:id="rId23"/>
   </p:custDataLst>
   <p:defaultTextStyle>
     <a:defPPr>
@@ -122,7 +127,7 @@
   <p:extLst>
     <p:ext uri="{EFAFB233-063F-42B5-8137-9DF3F51BA10A}">
       <p15:sldGuideLst xmlns:p15="http://schemas.microsoft.com/office/powerpoint/2012/main">
-        <p15:guide id="1" orient="horz" pos="2201" userDrawn="1">
+        <p15:guide id="1" orient="horz" pos="2188" userDrawn="1">
           <p15:clr>
             <a:srgbClr val="A4A3A4"/>
           </p15:clr>
@@ -539,6 +544,198 @@
 </p:notes>
 </file>
 
+<file path=ppt/notesSlides/notesSlide10.xml><?xml version="1.0" encoding="utf-8"?>
+<p:notes xmlns:a="http://schemas.openxmlformats.org/drawingml/2006/main" xmlns:r="http://schemas.openxmlformats.org/officeDocument/2006/relationships" xmlns:p="http://schemas.openxmlformats.org/presentationml/2006/main">
+  <p:cSld>
+    <p:spTree>
+      <p:nvGrpSpPr>
+        <p:cNvPr id="1" name=""/>
+        <p:cNvGrpSpPr/>
+        <p:nvPr/>
+      </p:nvGrpSpPr>
+      <p:grpSpPr/>
+      <p:sp>
+        <p:nvSpPr>
+          <p:cNvPr id="2" name="幻灯片图像占位符 1"/>
+          <p:cNvSpPr>
+            <a:spLocks noGrp="1"/>
+          </p:cNvSpPr>
+          <p:nvPr>
+            <p:ph type="sldImg" idx="2"/>
+          </p:nvPr>
+        </p:nvSpPr>
+        <p:spPr/>
+      </p:sp>
+      <p:sp>
+        <p:nvSpPr>
+          <p:cNvPr id="3" name="文本占位符 2"/>
+          <p:cNvSpPr>
+            <a:spLocks noGrp="1"/>
+          </p:cNvSpPr>
+          <p:nvPr>
+            <p:ph type="body" idx="3"/>
+          </p:nvPr>
+        </p:nvSpPr>
+        <p:spPr/>
+        <p:txBody>
+          <a:bodyPr/>
+          <a:p>
+            <a:endParaRPr lang="zh-CN" altLang="en-US"/>
+          </a:p>
+        </p:txBody>
+      </p:sp>
+    </p:spTree>
+  </p:cSld>
+  <p:clrMapOvr>
+    <a:masterClrMapping/>
+  </p:clrMapOvr>
+</p:notes>
+</file>
+
+<file path=ppt/notesSlides/notesSlide11.xml><?xml version="1.0" encoding="utf-8"?>
+<p:notes xmlns:a="http://schemas.openxmlformats.org/drawingml/2006/main" xmlns:r="http://schemas.openxmlformats.org/officeDocument/2006/relationships" xmlns:p="http://schemas.openxmlformats.org/presentationml/2006/main">
+  <p:cSld>
+    <p:spTree>
+      <p:nvGrpSpPr>
+        <p:cNvPr id="1" name=""/>
+        <p:cNvGrpSpPr/>
+        <p:nvPr/>
+      </p:nvGrpSpPr>
+      <p:grpSpPr/>
+      <p:sp>
+        <p:nvSpPr>
+          <p:cNvPr id="2" name="幻灯片图像占位符 1"/>
+          <p:cNvSpPr>
+            <a:spLocks noGrp="1"/>
+          </p:cNvSpPr>
+          <p:nvPr>
+            <p:ph type="sldImg" idx="2"/>
+          </p:nvPr>
+        </p:nvSpPr>
+        <p:spPr/>
+      </p:sp>
+      <p:sp>
+        <p:nvSpPr>
+          <p:cNvPr id="3" name="文本占位符 2"/>
+          <p:cNvSpPr>
+            <a:spLocks noGrp="1"/>
+          </p:cNvSpPr>
+          <p:nvPr>
+            <p:ph type="body" idx="3"/>
+          </p:nvPr>
+        </p:nvSpPr>
+        <p:spPr/>
+        <p:txBody>
+          <a:bodyPr/>
+          <a:p>
+            <a:endParaRPr lang="zh-CN" altLang="en-US"/>
+          </a:p>
+        </p:txBody>
+      </p:sp>
+    </p:spTree>
+  </p:cSld>
+  <p:clrMapOvr>
+    <a:masterClrMapping/>
+  </p:clrMapOvr>
+</p:notes>
+</file>
+
+<file path=ppt/notesSlides/notesSlide12.xml><?xml version="1.0" encoding="utf-8"?>
+<p:notes xmlns:a="http://schemas.openxmlformats.org/drawingml/2006/main" xmlns:r="http://schemas.openxmlformats.org/officeDocument/2006/relationships" xmlns:p="http://schemas.openxmlformats.org/presentationml/2006/main">
+  <p:cSld>
+    <p:spTree>
+      <p:nvGrpSpPr>
+        <p:cNvPr id="1" name=""/>
+        <p:cNvGrpSpPr/>
+        <p:nvPr/>
+      </p:nvGrpSpPr>
+      <p:grpSpPr/>
+      <p:sp>
+        <p:nvSpPr>
+          <p:cNvPr id="2" name="幻灯片图像占位符 1"/>
+          <p:cNvSpPr>
+            <a:spLocks noGrp="1"/>
+          </p:cNvSpPr>
+          <p:nvPr>
+            <p:ph type="sldImg" idx="2"/>
+          </p:nvPr>
+        </p:nvSpPr>
+        <p:spPr/>
+      </p:sp>
+      <p:sp>
+        <p:nvSpPr>
+          <p:cNvPr id="3" name="文本占位符 2"/>
+          <p:cNvSpPr>
+            <a:spLocks noGrp="1"/>
+          </p:cNvSpPr>
+          <p:nvPr>
+            <p:ph type="body" idx="3"/>
+          </p:nvPr>
+        </p:nvSpPr>
+        <p:spPr/>
+        <p:txBody>
+          <a:bodyPr/>
+          <a:p>
+            <a:endParaRPr lang="zh-CN" altLang="en-US"/>
+          </a:p>
+        </p:txBody>
+      </p:sp>
+    </p:spTree>
+  </p:cSld>
+  <p:clrMapOvr>
+    <a:masterClrMapping/>
+  </p:clrMapOvr>
+</p:notes>
+</file>
+
+<file path=ppt/notesSlides/notesSlide13.xml><?xml version="1.0" encoding="utf-8"?>
+<p:notes xmlns:a="http://schemas.openxmlformats.org/drawingml/2006/main" xmlns:r="http://schemas.openxmlformats.org/officeDocument/2006/relationships" xmlns:p="http://schemas.openxmlformats.org/presentationml/2006/main">
+  <p:cSld>
+    <p:spTree>
+      <p:nvGrpSpPr>
+        <p:cNvPr id="1" name=""/>
+        <p:cNvGrpSpPr/>
+        <p:nvPr/>
+      </p:nvGrpSpPr>
+      <p:grpSpPr/>
+      <p:sp>
+        <p:nvSpPr>
+          <p:cNvPr id="2" name="幻灯片图像占位符 1"/>
+          <p:cNvSpPr>
+            <a:spLocks noGrp="1"/>
+          </p:cNvSpPr>
+          <p:nvPr>
+            <p:ph type="sldImg" idx="2"/>
+          </p:nvPr>
+        </p:nvSpPr>
+        <p:spPr/>
+      </p:sp>
+      <p:sp>
+        <p:nvSpPr>
+          <p:cNvPr id="3" name="文本占位符 2"/>
+          <p:cNvSpPr>
+            <a:spLocks noGrp="1"/>
+          </p:cNvSpPr>
+          <p:nvPr>
+            <p:ph type="body" idx="3"/>
+          </p:nvPr>
+        </p:nvSpPr>
+        <p:spPr/>
+        <p:txBody>
+          <a:bodyPr/>
+          <a:p>
+            <a:endParaRPr lang="zh-CN" altLang="en-US"/>
+          </a:p>
+        </p:txBody>
+      </p:sp>
+    </p:spTree>
+  </p:cSld>
+  <p:clrMapOvr>
+    <a:masterClrMapping/>
+  </p:clrMapOvr>
+</p:notes>
+</file>
+
 <file path=ppt/notesSlides/notesSlide2.xml><?xml version="1.0" encoding="utf-8"?>
 <p:notes xmlns:a="http://schemas.openxmlformats.org/drawingml/2006/main" xmlns:r="http://schemas.openxmlformats.org/officeDocument/2006/relationships" xmlns:p="http://schemas.openxmlformats.org/presentationml/2006/main">
   <p:cSld>
@@ -828,6 +1025,54 @@
 </file>
 
 <file path=ppt/notesSlides/notesSlide8.xml><?xml version="1.0" encoding="utf-8"?>
+<p:notes xmlns:a="http://schemas.openxmlformats.org/drawingml/2006/main" xmlns:r="http://schemas.openxmlformats.org/officeDocument/2006/relationships" xmlns:p="http://schemas.openxmlformats.org/presentationml/2006/main">
+  <p:cSld>
+    <p:spTree>
+      <p:nvGrpSpPr>
+        <p:cNvPr id="1" name=""/>
+        <p:cNvGrpSpPr/>
+        <p:nvPr/>
+      </p:nvGrpSpPr>
+      <p:grpSpPr/>
+      <p:sp>
+        <p:nvSpPr>
+          <p:cNvPr id="2" name="幻灯片图像占位符 1"/>
+          <p:cNvSpPr>
+            <a:spLocks noGrp="1"/>
+          </p:cNvSpPr>
+          <p:nvPr>
+            <p:ph type="sldImg" idx="2"/>
+          </p:nvPr>
+        </p:nvSpPr>
+        <p:spPr/>
+      </p:sp>
+      <p:sp>
+        <p:nvSpPr>
+          <p:cNvPr id="3" name="文本占位符 2"/>
+          <p:cNvSpPr>
+            <a:spLocks noGrp="1"/>
+          </p:cNvSpPr>
+          <p:nvPr>
+            <p:ph type="body" idx="3"/>
+          </p:nvPr>
+        </p:nvSpPr>
+        <p:spPr/>
+        <p:txBody>
+          <a:bodyPr/>
+          <a:p>
+            <a:endParaRPr lang="zh-CN" altLang="en-US"/>
+          </a:p>
+        </p:txBody>
+      </p:sp>
+    </p:spTree>
+  </p:cSld>
+  <p:clrMapOvr>
+    <a:masterClrMapping/>
+  </p:clrMapOvr>
+</p:notes>
+</file>
+
+<file path=ppt/notesSlides/notesSlide9.xml><?xml version="1.0" encoding="utf-8"?>
 <p:notes xmlns:a="http://schemas.openxmlformats.org/drawingml/2006/main" xmlns:r="http://schemas.openxmlformats.org/officeDocument/2006/relationships" xmlns:p="http://schemas.openxmlformats.org/presentationml/2006/main">
   <p:cSld>
     <p:spTree>
@@ -4362,12 +4607,13 @@
                 </a:solidFill>
                 <a:sym typeface="+mn-ea"/>
               </a:rPr>
-              <a:t>The Temporal IPS Method</a:t>
+              <a:t>Unmeasured Confounder Modeling</a:t>
             </a:r>
             <a:endParaRPr lang="zh-CN" b="1">
               <a:solidFill>
                 <a:schemeClr val="bg1"/>
               </a:solidFill>
+              <a:sym typeface="+mn-ea"/>
             </a:endParaRPr>
           </a:p>
         </p:txBody>
@@ -4454,7 +4700,7 @@
                 </a:solidFill>
                 <a:latin typeface="+mn-ea"/>
               </a:rPr>
-              <a:t>4</a:t>
+              <a:t>6</a:t>
             </a:r>
             <a:endParaRPr lang="en-US" altLang="zh-CN" sz="2400" b="1">
               <a:solidFill>
@@ -4568,7 +4814,7 @@
                             <a:latin typeface="Cambria Math" panose="02040503050406030204" charset="0"/>
                             <a:cs typeface="Cambria Math" panose="02040503050406030204" charset="0"/>
                           </a:rPr>
-                          <m:t>g</m:t>
+                          <m:t>𝑔</m:t>
                         </m:r>
                       </m:e>
                       <m:sub>
@@ -4577,7 +4823,7 @@
                             <a:latin typeface="Cambria Math" panose="02040503050406030204" charset="0"/>
                             <a:cs typeface="Cambria Math" panose="02040503050406030204" charset="0"/>
                           </a:rPr>
-                          <m:t>uv</m:t>
+                          <m:t>𝑢𝑣</m:t>
                         </m:r>
                       </m:sub>
                     </m:sSub>
@@ -4642,7 +4888,7 @@
             <p:spPr>
               <a:xfrm>
                 <a:off x="5442585" y="2254885"/>
-                <a:ext cx="6238875" cy="657225"/>
+                <a:ext cx="6238875" cy="1488440"/>
               </a:xfrm>
               <a:prstGeom prst="rect">
                 <a:avLst/>
@@ -4675,7 +4921,7 @@
                             <a:latin typeface="Cambria Math" panose="02040503050406030204" charset="0"/>
                             <a:cs typeface="Cambria Math" panose="02040503050406030204" charset="0"/>
                           </a:rPr>
-                          <m:t>h</m:t>
+                          <m:t>ℎ</m:t>
                         </m:r>
                       </m:e>
                       <m:sub>
@@ -4745,6 +4991,18 @@
                 </a:r>
                 <a:endParaRPr lang="zh-CN" altLang="en-US"/>
               </a:p>
+              <a:p>
+                <a:r>
+                  <a:rPr lang="zh-CN" altLang="en-US">
+                    <a:sym typeface="+mn-ea"/>
+                  </a:rPr>
+                  <a:t>通过将未观测混杂因素的影响纳入到倾向评分的计算中，使得倾向评分的估计更加准确</a:t>
+                </a:r>
+                <a:endParaRPr lang="zh-CN" altLang="en-US"/>
+              </a:p>
+              <a:p>
+                <a:endParaRPr lang="zh-CN" altLang="en-US"/>
+              </a:p>
             </p:txBody>
           </p:sp>
         </mc:Choice>
@@ -4760,7 +5018,7 @@
             <p:spPr>
               <a:xfrm>
                 <a:off x="5442585" y="2254885"/>
-                <a:ext cx="6238875" cy="657225"/>
+                <a:ext cx="6238875" cy="1488440"/>
               </a:xfrm>
               <a:prstGeom prst="rect">
                 <a:avLst/>
@@ -4871,7 +5129,7 @@
                                 <a:latin typeface="Cambria Math" panose="02040503050406030204" charset="0"/>
                                 <a:cs typeface="Cambria Math" panose="02040503050406030204" charset="0"/>
                               </a:rPr>
-                              <m:t>p</m:t>
+                              <m:t>𝑝</m:t>
                             </m:r>
                           </m:e>
                         </m:acc>
@@ -4931,7 +5189,7 @@
                             <a:latin typeface="Cambria Math" panose="02040503050406030204" charset="0"/>
                             <a:cs typeface="Cambria Math" panose="02040503050406030204" charset="0"/>
                           </a:rPr>
-                          <m:t>𝑢vt</m:t>
+                          <m:t>𝑢𝑣𝑡</m:t>
                         </m:r>
                       </m:sub>
                     </m:sSub>
@@ -4958,7 +5216,7 @@
                             <a:latin typeface="Cambria Math" panose="02040503050406030204" charset="0"/>
                             <a:cs typeface="Cambria Math" panose="02040503050406030204" charset="0"/>
                           </a:rPr>
-                          <m:t>L</m:t>
+                          <m:t>𝐿</m:t>
                         </m:r>
                       </m:e>
                       <m:sub>
@@ -4967,7 +5225,7 @@
                             <a:latin typeface="Cambria Math" panose="02040503050406030204" charset="0"/>
                             <a:cs typeface="Cambria Math" panose="02040503050406030204" charset="0"/>
                           </a:rPr>
-                          <m:t>IPS</m:t>
+                          <m:t>𝐼𝑃𝑆</m:t>
                         </m:r>
                       </m:sub>
                     </m:sSub>
@@ -5084,16 +5342,139 @@
           </a:prstGeom>
         </p:spPr>
       </p:pic>
-      <p:sp>
-        <p:nvSpPr>
-          <p:cNvPr id="18" name="文本框 17"/>
+    </p:spTree>
+  </p:cSld>
+  <p:clrMapOvr>
+    <a:masterClrMapping/>
+  </p:clrMapOvr>
+</p:sld>
+</file>
+
+<file path=ppt/slides/slide11.xml><?xml version="1.0" encoding="utf-8"?>
+<p:sld xmlns:a="http://schemas.openxmlformats.org/drawingml/2006/main" xmlns:r="http://schemas.openxmlformats.org/officeDocument/2006/relationships" xmlns:p="http://schemas.openxmlformats.org/presentationml/2006/main">
+  <p:cSld>
+    <p:spTree>
+      <p:nvGrpSpPr>
+        <p:cNvPr id="1" name=""/>
+        <p:cNvGrpSpPr/>
+        <p:nvPr/>
+      </p:nvGrpSpPr>
+      <p:grpSpPr/>
+      <p:sp>
+        <p:nvSpPr>
+          <p:cNvPr id="19" name="矩形 18"/>
+          <p:cNvSpPr/>
+          <p:nvPr>
+            <p:custDataLst>
+              <p:tags r:id="rId1"/>
+            </p:custDataLst>
+          </p:nvPr>
+        </p:nvSpPr>
+        <p:spPr>
+          <a:xfrm>
+            <a:off x="0" y="0"/>
+            <a:ext cx="12192635" cy="542925"/>
+          </a:xfrm>
+          <a:prstGeom prst="rect">
+            <a:avLst/>
+          </a:prstGeom>
+          <a:solidFill>
+            <a:srgbClr val="1F4E79"/>
+          </a:solidFill>
+        </p:spPr>
+        <p:style>
+          <a:lnRef idx="2">
+            <a:schemeClr val="accent1">
+              <a:lumMod val="75000"/>
+            </a:schemeClr>
+          </a:lnRef>
+          <a:fillRef idx="1">
+            <a:schemeClr val="accent1"/>
+          </a:fillRef>
+          <a:effectRef idx="0">
+            <a:srgbClr val="FFFFFF"/>
+          </a:effectRef>
+          <a:fontRef idx="minor">
+            <a:schemeClr val="lt1"/>
+          </a:fontRef>
+        </p:style>
+        <p:txBody>
+          <a:bodyPr rtlCol="0" anchor="ctr"/>
+          <a:p>
+            <a:pPr algn="ctr"/>
+            <a:endParaRPr lang="zh-CN" altLang="en-US">
+              <a:ln>
+                <a:solidFill>
+                  <a:sysClr val="windowText" lastClr="000000"/>
+                </a:solidFill>
+              </a:ln>
+              <a:solidFill>
+                <a:srgbClr val="1F4E79"/>
+              </a:solidFill>
+            </a:endParaRPr>
+          </a:p>
+        </p:txBody>
+      </p:sp>
+      <p:sp>
+        <p:nvSpPr>
+          <p:cNvPr id="20" name="流程图: 离页连接符 19"/>
+          <p:cNvSpPr/>
+          <p:nvPr>
+            <p:custDataLst>
+              <p:tags r:id="rId2"/>
+            </p:custDataLst>
+          </p:nvPr>
+        </p:nvSpPr>
+        <p:spPr>
+          <a:xfrm>
+            <a:off x="11538585" y="73025"/>
+            <a:ext cx="516255" cy="464185"/>
+          </a:xfrm>
+          <a:prstGeom prst="flowChartOffpageConnector">
+            <a:avLst/>
+          </a:prstGeom>
+          <a:solidFill>
+            <a:schemeClr val="bg1"/>
+          </a:solidFill>
+        </p:spPr>
+        <p:style>
+          <a:lnRef idx="2">
+            <a:schemeClr val="accent1">
+              <a:lumMod val="75000"/>
+            </a:schemeClr>
+          </a:lnRef>
+          <a:fillRef idx="1">
+            <a:schemeClr val="accent1"/>
+          </a:fillRef>
+          <a:effectRef idx="0">
+            <a:srgbClr val="FFFFFF"/>
+          </a:effectRef>
+          <a:fontRef idx="minor">
+            <a:schemeClr val="lt1"/>
+          </a:fontRef>
+        </p:style>
+        <p:txBody>
+          <a:bodyPr rtlCol="0" anchor="ctr"/>
+          <a:p>
+            <a:pPr algn="ctr"/>
+            <a:endParaRPr lang="zh-CN" altLang="en-US"/>
+          </a:p>
+        </p:txBody>
+      </p:sp>
+      <p:sp>
+        <p:nvSpPr>
+          <p:cNvPr id="21" name="文本框 20"/>
           <p:cNvSpPr txBox="1"/>
-          <p:nvPr/>
-        </p:nvSpPr>
-        <p:spPr>
-          <a:xfrm>
-            <a:off x="2914650" y="3201670"/>
-            <a:ext cx="6096000" cy="645160"/>
+          <p:nvPr>
+            <p:custDataLst>
+              <p:tags r:id="rId3"/>
+            </p:custDataLst>
+          </p:nvPr>
+        </p:nvSpPr>
+        <p:spPr>
+          <a:xfrm>
+            <a:off x="669925" y="81915"/>
+            <a:ext cx="8719185" cy="368300"/>
           </a:xfrm>
           <a:prstGeom prst="rect">
             <a:avLst/>
@@ -5101,18 +5482,1462 @@
           <a:noFill/>
         </p:spPr>
         <p:txBody>
-          <a:bodyPr wrap="square" rtlCol="0" anchor="t">
+          <a:bodyPr wrap="square" rtlCol="0">
             <a:spAutoFit/>
           </a:bodyPr>
           <a:p>
             <a:r>
+              <a:rPr lang="zh-CN" b="1">
+                <a:solidFill>
+                  <a:schemeClr val="bg1"/>
+                </a:solidFill>
+                <a:sym typeface="+mn-ea"/>
+              </a:rPr>
+              <a:t>EXPERIMENTS</a:t>
+            </a:r>
+            <a:endParaRPr lang="zh-CN" b="1">
+              <a:solidFill>
+                <a:schemeClr val="bg1"/>
+              </a:solidFill>
+              <a:sym typeface="+mn-ea"/>
+            </a:endParaRPr>
+          </a:p>
+        </p:txBody>
+      </p:sp>
+      <p:sp>
+        <p:nvSpPr>
+          <p:cNvPr id="22" name="五边形 21"/>
+          <p:cNvSpPr/>
+          <p:nvPr>
+            <p:custDataLst>
+              <p:tags r:id="rId4"/>
+            </p:custDataLst>
+          </p:nvPr>
+        </p:nvSpPr>
+        <p:spPr>
+          <a:xfrm>
+            <a:off x="48895" y="73025"/>
+            <a:ext cx="687070" cy="372110"/>
+          </a:xfrm>
+          <a:prstGeom prst="homePlate">
+            <a:avLst/>
+          </a:prstGeom>
+          <a:solidFill>
+            <a:schemeClr val="bg1"/>
+          </a:solidFill>
+        </p:spPr>
+        <p:style>
+          <a:lnRef idx="2">
+            <a:schemeClr val="accent1">
+              <a:lumMod val="75000"/>
+            </a:schemeClr>
+          </a:lnRef>
+          <a:fillRef idx="1">
+            <a:schemeClr val="accent1"/>
+          </a:fillRef>
+          <a:effectRef idx="0">
+            <a:srgbClr val="FFFFFF"/>
+          </a:effectRef>
+          <a:fontRef idx="minor">
+            <a:schemeClr val="lt1"/>
+          </a:fontRef>
+        </p:style>
+        <p:txBody>
+          <a:bodyPr rtlCol="0" anchor="ctr"/>
+          <a:p>
+            <a:pPr algn="ctr"/>
+            <a:endParaRPr lang="zh-CN" altLang="en-US"/>
+          </a:p>
+        </p:txBody>
+      </p:sp>
+      <p:sp>
+        <p:nvSpPr>
+          <p:cNvPr id="24" name="文本框 23"/>
+          <p:cNvSpPr txBox="1"/>
+          <p:nvPr>
+            <p:custDataLst>
+              <p:tags r:id="rId5"/>
+            </p:custDataLst>
+          </p:nvPr>
+        </p:nvSpPr>
+        <p:spPr>
+          <a:xfrm>
+            <a:off x="45085" y="36830"/>
+            <a:ext cx="702945" cy="460375"/>
+          </a:xfrm>
+          <a:prstGeom prst="rect">
+            <a:avLst/>
+          </a:prstGeom>
+          <a:noFill/>
+        </p:spPr>
+        <p:txBody>
+          <a:bodyPr wrap="square" rtlCol="0">
+            <a:spAutoFit/>
+          </a:bodyPr>
+          <a:p>
+            <a:pPr algn="l"/>
+            <a:r>
+              <a:rPr lang="en-US" altLang="zh-CN" sz="2400" b="1">
+                <a:solidFill>
+                  <a:schemeClr val="tx1">
+                    <a:lumMod val="75000"/>
+                    <a:lumOff val="25000"/>
+                  </a:schemeClr>
+                </a:solidFill>
+                <a:latin typeface="+mn-ea"/>
+              </a:rPr>
+              <a:t>7</a:t>
+            </a:r>
+            <a:endParaRPr lang="en-US" altLang="zh-CN" sz="2400" b="1">
+              <a:solidFill>
+                <a:schemeClr val="tx1">
+                  <a:lumMod val="75000"/>
+                  <a:lumOff val="25000"/>
+                </a:schemeClr>
+              </a:solidFill>
+              <a:latin typeface="+mn-ea"/>
+            </a:endParaRPr>
+          </a:p>
+        </p:txBody>
+      </p:sp>
+      <p:pic>
+        <p:nvPicPr>
+          <p:cNvPr id="2" name="图片 1"/>
+          <p:cNvPicPr>
+            <a:picLocks noChangeAspect="1"/>
+          </p:cNvPicPr>
+          <p:nvPr/>
+        </p:nvPicPr>
+        <p:blipFill>
+          <a:blip r:embed="rId6"/>
+          <a:stretch>
+            <a:fillRect/>
+          </a:stretch>
+        </p:blipFill>
+        <p:spPr>
+          <a:xfrm>
+            <a:off x="318135" y="797560"/>
+            <a:ext cx="6286500" cy="2190750"/>
+          </a:xfrm>
+          <a:prstGeom prst="rect">
+            <a:avLst/>
+          </a:prstGeom>
+        </p:spPr>
+      </p:pic>
+      <p:pic>
+        <p:nvPicPr>
+          <p:cNvPr id="3" name="图片 2"/>
+          <p:cNvPicPr>
+            <a:picLocks noChangeAspect="1"/>
+          </p:cNvPicPr>
+          <p:nvPr/>
+        </p:nvPicPr>
+        <p:blipFill>
+          <a:blip r:embed="rId7"/>
+          <a:stretch>
+            <a:fillRect/>
+          </a:stretch>
+        </p:blipFill>
+        <p:spPr>
+          <a:xfrm>
+            <a:off x="6684010" y="904240"/>
+            <a:ext cx="5507990" cy="1448435"/>
+          </a:xfrm>
+          <a:prstGeom prst="rect">
+            <a:avLst/>
+          </a:prstGeom>
+        </p:spPr>
+      </p:pic>
+      <p:sp>
+        <p:nvSpPr>
+          <p:cNvPr id="5" name="文本框 4"/>
+          <p:cNvSpPr txBox="1"/>
+          <p:nvPr/>
+        </p:nvSpPr>
+        <p:spPr>
+          <a:xfrm>
+            <a:off x="428625" y="3288665"/>
+            <a:ext cx="4064000" cy="368300"/>
+          </a:xfrm>
+          <a:prstGeom prst="rect">
+            <a:avLst/>
+          </a:prstGeom>
+          <a:noFill/>
+        </p:spPr>
+        <p:txBody>
+          <a:bodyPr wrap="square" rtlCol="0">
+            <a:spAutoFit/>
+          </a:bodyPr>
+          <a:p>
+            <a:r>
+              <a:rPr lang="zh-CN" altLang="en-US" b="1"/>
+              <a:t>时间信息的处理策略</a:t>
+            </a:r>
+            <a:endParaRPr lang="zh-CN" altLang="en-US" b="1"/>
+          </a:p>
+        </p:txBody>
+      </p:sp>
+      <p:sp>
+        <p:nvSpPr>
+          <p:cNvPr id="11" name="文本框 10"/>
+          <p:cNvSpPr txBox="1"/>
+          <p:nvPr/>
+        </p:nvSpPr>
+        <p:spPr>
+          <a:xfrm>
+            <a:off x="748030" y="3729990"/>
+            <a:ext cx="11120120" cy="645160"/>
+          </a:xfrm>
+          <a:prstGeom prst="rect">
+            <a:avLst/>
+          </a:prstGeom>
+          <a:noFill/>
+        </p:spPr>
+        <p:txBody>
+          <a:bodyPr wrap="square" rtlCol="0">
+            <a:spAutoFit/>
+          </a:bodyPr>
+          <a:p>
+            <a:pPr marL="285750" indent="-285750">
+              <a:buFont typeface="Arial" panose="020B0604020202020204" pitchFamily="34" charset="0"/>
+              <a:buChar char="•"/>
+            </a:pPr>
+            <a:r>
               <a:rPr lang="zh-CN" altLang="en-US"/>
-              <a:t>通过将未观测混杂因素的影响纳入到倾向评分的计算中，使得倾向评分的估计更加准确</a:t>
-            </a:r>
-            <a:endParaRPr lang="zh-CN" altLang="en-US"/>
-          </a:p>
-        </p:txBody>
-      </p:sp>
+              <a:t>将数据集的完整时间范围分割为多个区间，区间索引作为时间 ID，实验中将时间范围分为 7 个区间。</a:t>
+            </a:r>
+            <a:endParaRPr lang="zh-CN" altLang="en-US"/>
+          </a:p>
+          <a:p>
+            <a:pPr marL="285750" indent="-285750">
+              <a:buFont typeface="Arial" panose="020B0604020202020204" pitchFamily="34" charset="0"/>
+              <a:buChar char="•"/>
+            </a:pPr>
+            <a:r>
+              <a:rPr lang="zh-CN" altLang="en-US"/>
+              <a:t>将时间 ID 表示为一天中的小时或一周中的天数的索引，实验中按周天数生成 ID。</a:t>
+            </a:r>
+            <a:endParaRPr lang="zh-CN" altLang="en-US"/>
+          </a:p>
+        </p:txBody>
+      </p:sp>
+      <p:sp>
+        <p:nvSpPr>
+          <p:cNvPr id="12" name="文本框 11"/>
+          <p:cNvSpPr txBox="1"/>
+          <p:nvPr/>
+        </p:nvSpPr>
+        <p:spPr>
+          <a:xfrm>
+            <a:off x="428625" y="4448175"/>
+            <a:ext cx="10904855" cy="1198880"/>
+          </a:xfrm>
+          <a:prstGeom prst="rect">
+            <a:avLst/>
+          </a:prstGeom>
+          <a:noFill/>
+        </p:spPr>
+        <p:txBody>
+          <a:bodyPr wrap="square" rtlCol="0">
+            <a:spAutoFit/>
+          </a:bodyPr>
+          <a:p>
+            <a:r>
+              <a:rPr lang="zh-CN" altLang="en-US" b="1"/>
+              <a:t>测试集构建</a:t>
+            </a:r>
+            <a:endParaRPr lang="zh-CN" altLang="en-US" b="1"/>
+          </a:p>
+          <a:p>
+            <a:endParaRPr lang="zh-CN" altLang="en-US"/>
+          </a:p>
+          <a:p>
+            <a:pPr indent="457200"/>
+            <a:r>
+              <a:rPr lang="en-US" altLang="zh-CN"/>
+              <a:t> </a:t>
+            </a:r>
+            <a:r>
+              <a:rPr lang="zh-CN" altLang="en-US"/>
+              <a:t>根据样本观测频率重采样原始数据集构建无偏测试集。使用每个用户 50% 的交互进行有偏模型训练，</a:t>
+            </a:r>
+            <a:r>
+              <a:rPr lang="en-US" altLang="zh-CN"/>
+              <a:t>    	</a:t>
+            </a:r>
+            <a:r>
+              <a:rPr lang="zh-CN" altLang="en-US"/>
+              <a:t>从剩余交互中采样构建验证集和测试集</a:t>
+            </a:r>
+            <a:endParaRPr lang="zh-CN" altLang="en-US"/>
+          </a:p>
+        </p:txBody>
+      </p:sp>
+      <p:sp>
+        <p:nvSpPr>
+          <p:cNvPr id="16" name="文本框 15"/>
+          <p:cNvSpPr txBox="1"/>
+          <p:nvPr/>
+        </p:nvSpPr>
+        <p:spPr>
+          <a:xfrm>
+            <a:off x="428625" y="5824220"/>
+            <a:ext cx="7291705" cy="645160"/>
+          </a:xfrm>
+          <a:prstGeom prst="rect">
+            <a:avLst/>
+          </a:prstGeom>
+          <a:noFill/>
+        </p:spPr>
+        <p:txBody>
+          <a:bodyPr wrap="square" rtlCol="0">
+            <a:spAutoFit/>
+          </a:bodyPr>
+          <a:p>
+            <a:r>
+              <a:rPr lang="zh-CN" altLang="en-US" b="1"/>
+              <a:t>评估指标</a:t>
+            </a:r>
+            <a:endParaRPr lang="zh-CN" altLang="en-US" b="1"/>
+          </a:p>
+          <a:p>
+            <a:pPr indent="457200"/>
+            <a:r>
+              <a:rPr lang="zh-CN" altLang="en-US"/>
+              <a:t>基于均方根误差（RMSE）和平均绝对误差（MAE）评估框架性能</a:t>
+            </a:r>
+            <a:endParaRPr lang="zh-CN" altLang="en-US"/>
+          </a:p>
+        </p:txBody>
+      </p:sp>
+    </p:spTree>
+  </p:cSld>
+  <p:clrMapOvr>
+    <a:masterClrMapping/>
+  </p:clrMapOvr>
+</p:sld>
+</file>
+
+<file path=ppt/slides/slide12.xml><?xml version="1.0" encoding="utf-8"?>
+<p:sld xmlns:a="http://schemas.openxmlformats.org/drawingml/2006/main" xmlns:r="http://schemas.openxmlformats.org/officeDocument/2006/relationships" xmlns:p="http://schemas.openxmlformats.org/presentationml/2006/main">
+  <p:cSld>
+    <p:spTree>
+      <p:nvGrpSpPr>
+        <p:cNvPr id="1" name=""/>
+        <p:cNvGrpSpPr/>
+        <p:nvPr/>
+      </p:nvGrpSpPr>
+      <p:grpSpPr/>
+      <p:sp>
+        <p:nvSpPr>
+          <p:cNvPr id="19" name="矩形 18"/>
+          <p:cNvSpPr/>
+          <p:nvPr>
+            <p:custDataLst>
+              <p:tags r:id="rId1"/>
+            </p:custDataLst>
+          </p:nvPr>
+        </p:nvSpPr>
+        <p:spPr>
+          <a:xfrm>
+            <a:off x="0" y="0"/>
+            <a:ext cx="12192635" cy="542925"/>
+          </a:xfrm>
+          <a:prstGeom prst="rect">
+            <a:avLst/>
+          </a:prstGeom>
+          <a:solidFill>
+            <a:srgbClr val="1F4E79"/>
+          </a:solidFill>
+        </p:spPr>
+        <p:style>
+          <a:lnRef idx="2">
+            <a:schemeClr val="accent1">
+              <a:lumMod val="75000"/>
+            </a:schemeClr>
+          </a:lnRef>
+          <a:fillRef idx="1">
+            <a:schemeClr val="accent1"/>
+          </a:fillRef>
+          <a:effectRef idx="0">
+            <a:srgbClr val="FFFFFF"/>
+          </a:effectRef>
+          <a:fontRef idx="minor">
+            <a:schemeClr val="lt1"/>
+          </a:fontRef>
+        </p:style>
+        <p:txBody>
+          <a:bodyPr rtlCol="0" anchor="ctr"/>
+          <a:p>
+            <a:pPr algn="ctr"/>
+            <a:endParaRPr lang="zh-CN" altLang="en-US">
+              <a:ln>
+                <a:solidFill>
+                  <a:sysClr val="windowText" lastClr="000000"/>
+                </a:solidFill>
+              </a:ln>
+              <a:solidFill>
+                <a:srgbClr val="1F4E79"/>
+              </a:solidFill>
+            </a:endParaRPr>
+          </a:p>
+        </p:txBody>
+      </p:sp>
+      <p:sp>
+        <p:nvSpPr>
+          <p:cNvPr id="20" name="流程图: 离页连接符 19"/>
+          <p:cNvSpPr/>
+          <p:nvPr>
+            <p:custDataLst>
+              <p:tags r:id="rId2"/>
+            </p:custDataLst>
+          </p:nvPr>
+        </p:nvSpPr>
+        <p:spPr>
+          <a:xfrm>
+            <a:off x="11538585" y="73025"/>
+            <a:ext cx="516255" cy="464185"/>
+          </a:xfrm>
+          <a:prstGeom prst="flowChartOffpageConnector">
+            <a:avLst/>
+          </a:prstGeom>
+          <a:solidFill>
+            <a:schemeClr val="bg1"/>
+          </a:solidFill>
+        </p:spPr>
+        <p:style>
+          <a:lnRef idx="2">
+            <a:schemeClr val="accent1">
+              <a:lumMod val="75000"/>
+            </a:schemeClr>
+          </a:lnRef>
+          <a:fillRef idx="1">
+            <a:schemeClr val="accent1"/>
+          </a:fillRef>
+          <a:effectRef idx="0">
+            <a:srgbClr val="FFFFFF"/>
+          </a:effectRef>
+          <a:fontRef idx="minor">
+            <a:schemeClr val="lt1"/>
+          </a:fontRef>
+        </p:style>
+        <p:txBody>
+          <a:bodyPr rtlCol="0" anchor="ctr"/>
+          <a:p>
+            <a:pPr algn="ctr"/>
+            <a:endParaRPr lang="zh-CN" altLang="en-US"/>
+          </a:p>
+        </p:txBody>
+      </p:sp>
+      <p:sp>
+        <p:nvSpPr>
+          <p:cNvPr id="21" name="文本框 20"/>
+          <p:cNvSpPr txBox="1"/>
+          <p:nvPr>
+            <p:custDataLst>
+              <p:tags r:id="rId3"/>
+            </p:custDataLst>
+          </p:nvPr>
+        </p:nvSpPr>
+        <p:spPr>
+          <a:xfrm>
+            <a:off x="669925" y="81915"/>
+            <a:ext cx="8719185" cy="368300"/>
+          </a:xfrm>
+          <a:prstGeom prst="rect">
+            <a:avLst/>
+          </a:prstGeom>
+          <a:noFill/>
+        </p:spPr>
+        <p:txBody>
+          <a:bodyPr wrap="square" rtlCol="0">
+            <a:spAutoFit/>
+          </a:bodyPr>
+          <a:p>
+            <a:r>
+              <a:rPr lang="zh-CN" b="1">
+                <a:solidFill>
+                  <a:schemeClr val="bg1"/>
+                </a:solidFill>
+                <a:sym typeface="+mn-ea"/>
+              </a:rPr>
+              <a:t>EXPERIMENTS</a:t>
+            </a:r>
+            <a:endParaRPr lang="zh-CN" b="1">
+              <a:solidFill>
+                <a:schemeClr val="bg1"/>
+              </a:solidFill>
+              <a:sym typeface="+mn-ea"/>
+            </a:endParaRPr>
+          </a:p>
+        </p:txBody>
+      </p:sp>
+      <p:sp>
+        <p:nvSpPr>
+          <p:cNvPr id="22" name="五边形 21"/>
+          <p:cNvSpPr/>
+          <p:nvPr>
+            <p:custDataLst>
+              <p:tags r:id="rId4"/>
+            </p:custDataLst>
+          </p:nvPr>
+        </p:nvSpPr>
+        <p:spPr>
+          <a:xfrm>
+            <a:off x="48895" y="73025"/>
+            <a:ext cx="687070" cy="372110"/>
+          </a:xfrm>
+          <a:prstGeom prst="homePlate">
+            <a:avLst/>
+          </a:prstGeom>
+          <a:solidFill>
+            <a:schemeClr val="bg1"/>
+          </a:solidFill>
+        </p:spPr>
+        <p:style>
+          <a:lnRef idx="2">
+            <a:schemeClr val="accent1">
+              <a:lumMod val="75000"/>
+            </a:schemeClr>
+          </a:lnRef>
+          <a:fillRef idx="1">
+            <a:schemeClr val="accent1"/>
+          </a:fillRef>
+          <a:effectRef idx="0">
+            <a:srgbClr val="FFFFFF"/>
+          </a:effectRef>
+          <a:fontRef idx="minor">
+            <a:schemeClr val="lt1"/>
+          </a:fontRef>
+        </p:style>
+        <p:txBody>
+          <a:bodyPr rtlCol="0" anchor="ctr"/>
+          <a:p>
+            <a:pPr algn="ctr"/>
+            <a:endParaRPr lang="zh-CN" altLang="en-US"/>
+          </a:p>
+        </p:txBody>
+      </p:sp>
+      <p:sp>
+        <p:nvSpPr>
+          <p:cNvPr id="24" name="文本框 23"/>
+          <p:cNvSpPr txBox="1"/>
+          <p:nvPr>
+            <p:custDataLst>
+              <p:tags r:id="rId5"/>
+            </p:custDataLst>
+          </p:nvPr>
+        </p:nvSpPr>
+        <p:spPr>
+          <a:xfrm>
+            <a:off x="45085" y="36830"/>
+            <a:ext cx="702945" cy="460375"/>
+          </a:xfrm>
+          <a:prstGeom prst="rect">
+            <a:avLst/>
+          </a:prstGeom>
+          <a:noFill/>
+        </p:spPr>
+        <p:txBody>
+          <a:bodyPr wrap="square" rtlCol="0">
+            <a:spAutoFit/>
+          </a:bodyPr>
+          <a:p>
+            <a:pPr algn="l"/>
+            <a:r>
+              <a:rPr lang="en-US" altLang="zh-CN" sz="2400" b="1">
+                <a:solidFill>
+                  <a:schemeClr val="tx1">
+                    <a:lumMod val="75000"/>
+                    <a:lumOff val="25000"/>
+                  </a:schemeClr>
+                </a:solidFill>
+                <a:latin typeface="+mn-ea"/>
+              </a:rPr>
+              <a:t>7</a:t>
+            </a:r>
+            <a:endParaRPr lang="en-US" altLang="zh-CN" sz="2400" b="1">
+              <a:solidFill>
+                <a:schemeClr val="tx1">
+                  <a:lumMod val="75000"/>
+                  <a:lumOff val="25000"/>
+                </a:schemeClr>
+              </a:solidFill>
+              <a:latin typeface="+mn-ea"/>
+            </a:endParaRPr>
+          </a:p>
+        </p:txBody>
+      </p:sp>
+      <p:pic>
+        <p:nvPicPr>
+          <p:cNvPr id="4" name="图片 3"/>
+          <p:cNvPicPr>
+            <a:picLocks noChangeAspect="1"/>
+          </p:cNvPicPr>
+          <p:nvPr/>
+        </p:nvPicPr>
+        <p:blipFill>
+          <a:blip r:embed="rId6"/>
+          <a:stretch>
+            <a:fillRect/>
+          </a:stretch>
+        </p:blipFill>
+        <p:spPr>
+          <a:xfrm>
+            <a:off x="669925" y="902970"/>
+            <a:ext cx="10487025" cy="5051425"/>
+          </a:xfrm>
+          <a:prstGeom prst="rect">
+            <a:avLst/>
+          </a:prstGeom>
+        </p:spPr>
+      </p:pic>
+    </p:spTree>
+  </p:cSld>
+  <p:clrMapOvr>
+    <a:masterClrMapping/>
+  </p:clrMapOvr>
+</p:sld>
+</file>
+
+<file path=ppt/slides/slide13.xml><?xml version="1.0" encoding="utf-8"?>
+<p:sld xmlns:a="http://schemas.openxmlformats.org/drawingml/2006/main" xmlns:r="http://schemas.openxmlformats.org/officeDocument/2006/relationships" xmlns:p="http://schemas.openxmlformats.org/presentationml/2006/main">
+  <p:cSld>
+    <p:spTree>
+      <p:nvGrpSpPr>
+        <p:cNvPr id="1" name=""/>
+        <p:cNvGrpSpPr/>
+        <p:nvPr/>
+      </p:nvGrpSpPr>
+      <p:grpSpPr/>
+      <p:sp>
+        <p:nvSpPr>
+          <p:cNvPr id="19" name="矩形 18"/>
+          <p:cNvSpPr/>
+          <p:nvPr>
+            <p:custDataLst>
+              <p:tags r:id="rId1"/>
+            </p:custDataLst>
+          </p:nvPr>
+        </p:nvSpPr>
+        <p:spPr>
+          <a:xfrm>
+            <a:off x="0" y="0"/>
+            <a:ext cx="12192635" cy="542925"/>
+          </a:xfrm>
+          <a:prstGeom prst="rect">
+            <a:avLst/>
+          </a:prstGeom>
+          <a:solidFill>
+            <a:srgbClr val="1F4E79"/>
+          </a:solidFill>
+        </p:spPr>
+        <p:style>
+          <a:lnRef idx="2">
+            <a:schemeClr val="accent1">
+              <a:lumMod val="75000"/>
+            </a:schemeClr>
+          </a:lnRef>
+          <a:fillRef idx="1">
+            <a:schemeClr val="accent1"/>
+          </a:fillRef>
+          <a:effectRef idx="0">
+            <a:srgbClr val="FFFFFF"/>
+          </a:effectRef>
+          <a:fontRef idx="minor">
+            <a:schemeClr val="lt1"/>
+          </a:fontRef>
+        </p:style>
+        <p:txBody>
+          <a:bodyPr rtlCol="0" anchor="ctr"/>
+          <a:p>
+            <a:pPr algn="ctr"/>
+            <a:endParaRPr lang="zh-CN" altLang="en-US">
+              <a:ln>
+                <a:solidFill>
+                  <a:sysClr val="windowText" lastClr="000000"/>
+                </a:solidFill>
+              </a:ln>
+              <a:solidFill>
+                <a:srgbClr val="1F4E79"/>
+              </a:solidFill>
+            </a:endParaRPr>
+          </a:p>
+        </p:txBody>
+      </p:sp>
+      <p:sp>
+        <p:nvSpPr>
+          <p:cNvPr id="20" name="流程图: 离页连接符 19"/>
+          <p:cNvSpPr/>
+          <p:nvPr>
+            <p:custDataLst>
+              <p:tags r:id="rId2"/>
+            </p:custDataLst>
+          </p:nvPr>
+        </p:nvSpPr>
+        <p:spPr>
+          <a:xfrm>
+            <a:off x="11538585" y="73025"/>
+            <a:ext cx="516255" cy="464185"/>
+          </a:xfrm>
+          <a:prstGeom prst="flowChartOffpageConnector">
+            <a:avLst/>
+          </a:prstGeom>
+          <a:solidFill>
+            <a:schemeClr val="bg1"/>
+          </a:solidFill>
+        </p:spPr>
+        <p:style>
+          <a:lnRef idx="2">
+            <a:schemeClr val="accent1">
+              <a:lumMod val="75000"/>
+            </a:schemeClr>
+          </a:lnRef>
+          <a:fillRef idx="1">
+            <a:schemeClr val="accent1"/>
+          </a:fillRef>
+          <a:effectRef idx="0">
+            <a:srgbClr val="FFFFFF"/>
+          </a:effectRef>
+          <a:fontRef idx="minor">
+            <a:schemeClr val="lt1"/>
+          </a:fontRef>
+        </p:style>
+        <p:txBody>
+          <a:bodyPr rtlCol="0" anchor="ctr"/>
+          <a:p>
+            <a:pPr algn="ctr"/>
+            <a:endParaRPr lang="zh-CN" altLang="en-US"/>
+          </a:p>
+        </p:txBody>
+      </p:sp>
+      <p:sp>
+        <p:nvSpPr>
+          <p:cNvPr id="21" name="文本框 20"/>
+          <p:cNvSpPr txBox="1"/>
+          <p:nvPr>
+            <p:custDataLst>
+              <p:tags r:id="rId3"/>
+            </p:custDataLst>
+          </p:nvPr>
+        </p:nvSpPr>
+        <p:spPr>
+          <a:xfrm>
+            <a:off x="669925" y="81915"/>
+            <a:ext cx="8719185" cy="368300"/>
+          </a:xfrm>
+          <a:prstGeom prst="rect">
+            <a:avLst/>
+          </a:prstGeom>
+          <a:noFill/>
+        </p:spPr>
+        <p:txBody>
+          <a:bodyPr wrap="square" rtlCol="0">
+            <a:spAutoFit/>
+          </a:bodyPr>
+          <a:p>
+            <a:r>
+              <a:rPr lang="zh-CN" b="1">
+                <a:solidFill>
+                  <a:schemeClr val="bg1"/>
+                </a:solidFill>
+                <a:sym typeface="+mn-ea"/>
+              </a:rPr>
+              <a:t>EXPERIMENTS</a:t>
+            </a:r>
+            <a:endParaRPr lang="zh-CN" b="1">
+              <a:solidFill>
+                <a:schemeClr val="bg1"/>
+              </a:solidFill>
+              <a:sym typeface="+mn-ea"/>
+            </a:endParaRPr>
+          </a:p>
+        </p:txBody>
+      </p:sp>
+      <p:sp>
+        <p:nvSpPr>
+          <p:cNvPr id="22" name="五边形 21"/>
+          <p:cNvSpPr/>
+          <p:nvPr>
+            <p:custDataLst>
+              <p:tags r:id="rId4"/>
+            </p:custDataLst>
+          </p:nvPr>
+        </p:nvSpPr>
+        <p:spPr>
+          <a:xfrm>
+            <a:off x="48895" y="73025"/>
+            <a:ext cx="687070" cy="372110"/>
+          </a:xfrm>
+          <a:prstGeom prst="homePlate">
+            <a:avLst/>
+          </a:prstGeom>
+          <a:solidFill>
+            <a:schemeClr val="bg1"/>
+          </a:solidFill>
+        </p:spPr>
+        <p:style>
+          <a:lnRef idx="2">
+            <a:schemeClr val="accent1">
+              <a:lumMod val="75000"/>
+            </a:schemeClr>
+          </a:lnRef>
+          <a:fillRef idx="1">
+            <a:schemeClr val="accent1"/>
+          </a:fillRef>
+          <a:effectRef idx="0">
+            <a:srgbClr val="FFFFFF"/>
+          </a:effectRef>
+          <a:fontRef idx="minor">
+            <a:schemeClr val="lt1"/>
+          </a:fontRef>
+        </p:style>
+        <p:txBody>
+          <a:bodyPr rtlCol="0" anchor="ctr"/>
+          <a:p>
+            <a:pPr algn="ctr"/>
+            <a:endParaRPr lang="zh-CN" altLang="en-US"/>
+          </a:p>
+        </p:txBody>
+      </p:sp>
+      <p:sp>
+        <p:nvSpPr>
+          <p:cNvPr id="24" name="文本框 23"/>
+          <p:cNvSpPr txBox="1"/>
+          <p:nvPr>
+            <p:custDataLst>
+              <p:tags r:id="rId5"/>
+            </p:custDataLst>
+          </p:nvPr>
+        </p:nvSpPr>
+        <p:spPr>
+          <a:xfrm>
+            <a:off x="45085" y="36830"/>
+            <a:ext cx="702945" cy="460375"/>
+          </a:xfrm>
+          <a:prstGeom prst="rect">
+            <a:avLst/>
+          </a:prstGeom>
+          <a:noFill/>
+        </p:spPr>
+        <p:txBody>
+          <a:bodyPr wrap="square" rtlCol="0">
+            <a:spAutoFit/>
+          </a:bodyPr>
+          <a:p>
+            <a:pPr algn="l"/>
+            <a:r>
+              <a:rPr lang="en-US" altLang="zh-CN" sz="2400" b="1">
+                <a:solidFill>
+                  <a:schemeClr val="tx1">
+                    <a:lumMod val="75000"/>
+                    <a:lumOff val="25000"/>
+                  </a:schemeClr>
+                </a:solidFill>
+                <a:latin typeface="+mn-ea"/>
+              </a:rPr>
+              <a:t>7</a:t>
+            </a:r>
+            <a:endParaRPr lang="en-US" altLang="zh-CN" sz="2400" b="1">
+              <a:solidFill>
+                <a:schemeClr val="tx1">
+                  <a:lumMod val="75000"/>
+                  <a:lumOff val="25000"/>
+                </a:schemeClr>
+              </a:solidFill>
+              <a:latin typeface="+mn-ea"/>
+            </a:endParaRPr>
+          </a:p>
+        </p:txBody>
+      </p:sp>
+      <p:pic>
+        <p:nvPicPr>
+          <p:cNvPr id="4" name="图片 3"/>
+          <p:cNvPicPr>
+            <a:picLocks noChangeAspect="1"/>
+          </p:cNvPicPr>
+          <p:nvPr/>
+        </p:nvPicPr>
+        <p:blipFill>
+          <a:blip r:embed="rId6"/>
+          <a:stretch>
+            <a:fillRect/>
+          </a:stretch>
+        </p:blipFill>
+        <p:spPr>
+          <a:xfrm>
+            <a:off x="465455" y="818515"/>
+            <a:ext cx="6055360" cy="4083050"/>
+          </a:xfrm>
+          <a:prstGeom prst="rect">
+            <a:avLst/>
+          </a:prstGeom>
+        </p:spPr>
+      </p:pic>
+    </p:spTree>
+  </p:cSld>
+  <p:clrMapOvr>
+    <a:masterClrMapping/>
+  </p:clrMapOvr>
+</p:sld>
+</file>
+
+<file path=ppt/slides/slide14.xml><?xml version="1.0" encoding="utf-8"?>
+<p:sld xmlns:a="http://schemas.openxmlformats.org/drawingml/2006/main" xmlns:r="http://schemas.openxmlformats.org/officeDocument/2006/relationships" xmlns:p="http://schemas.openxmlformats.org/presentationml/2006/main">
+  <p:cSld>
+    <p:spTree>
+      <p:nvGrpSpPr>
+        <p:cNvPr id="1" name=""/>
+        <p:cNvGrpSpPr/>
+        <p:nvPr/>
+      </p:nvGrpSpPr>
+      <p:grpSpPr/>
+      <p:sp>
+        <p:nvSpPr>
+          <p:cNvPr id="19" name="矩形 18"/>
+          <p:cNvSpPr/>
+          <p:nvPr>
+            <p:custDataLst>
+              <p:tags r:id="rId1"/>
+            </p:custDataLst>
+          </p:nvPr>
+        </p:nvSpPr>
+        <p:spPr>
+          <a:xfrm>
+            <a:off x="0" y="0"/>
+            <a:ext cx="12192635" cy="542925"/>
+          </a:xfrm>
+          <a:prstGeom prst="rect">
+            <a:avLst/>
+          </a:prstGeom>
+          <a:solidFill>
+            <a:srgbClr val="1F4E79"/>
+          </a:solidFill>
+        </p:spPr>
+        <p:style>
+          <a:lnRef idx="2">
+            <a:schemeClr val="accent1">
+              <a:lumMod val="75000"/>
+            </a:schemeClr>
+          </a:lnRef>
+          <a:fillRef idx="1">
+            <a:schemeClr val="accent1"/>
+          </a:fillRef>
+          <a:effectRef idx="0">
+            <a:srgbClr val="FFFFFF"/>
+          </a:effectRef>
+          <a:fontRef idx="minor">
+            <a:schemeClr val="lt1"/>
+          </a:fontRef>
+        </p:style>
+        <p:txBody>
+          <a:bodyPr rtlCol="0" anchor="ctr"/>
+          <a:p>
+            <a:pPr algn="ctr"/>
+            <a:endParaRPr lang="zh-CN" altLang="en-US">
+              <a:ln>
+                <a:solidFill>
+                  <a:sysClr val="windowText" lastClr="000000"/>
+                </a:solidFill>
+              </a:ln>
+              <a:solidFill>
+                <a:srgbClr val="1F4E79"/>
+              </a:solidFill>
+            </a:endParaRPr>
+          </a:p>
+        </p:txBody>
+      </p:sp>
+      <p:sp>
+        <p:nvSpPr>
+          <p:cNvPr id="20" name="流程图: 离页连接符 19"/>
+          <p:cNvSpPr/>
+          <p:nvPr>
+            <p:custDataLst>
+              <p:tags r:id="rId2"/>
+            </p:custDataLst>
+          </p:nvPr>
+        </p:nvSpPr>
+        <p:spPr>
+          <a:xfrm>
+            <a:off x="11538585" y="73025"/>
+            <a:ext cx="516255" cy="464185"/>
+          </a:xfrm>
+          <a:prstGeom prst="flowChartOffpageConnector">
+            <a:avLst/>
+          </a:prstGeom>
+          <a:solidFill>
+            <a:schemeClr val="bg1"/>
+          </a:solidFill>
+        </p:spPr>
+        <p:style>
+          <a:lnRef idx="2">
+            <a:schemeClr val="accent1">
+              <a:lumMod val="75000"/>
+            </a:schemeClr>
+          </a:lnRef>
+          <a:fillRef idx="1">
+            <a:schemeClr val="accent1"/>
+          </a:fillRef>
+          <a:effectRef idx="0">
+            <a:srgbClr val="FFFFFF"/>
+          </a:effectRef>
+          <a:fontRef idx="minor">
+            <a:schemeClr val="lt1"/>
+          </a:fontRef>
+        </p:style>
+        <p:txBody>
+          <a:bodyPr rtlCol="0" anchor="ctr"/>
+          <a:p>
+            <a:pPr algn="ctr"/>
+            <a:endParaRPr lang="zh-CN" altLang="en-US"/>
+          </a:p>
+        </p:txBody>
+      </p:sp>
+      <p:sp>
+        <p:nvSpPr>
+          <p:cNvPr id="21" name="文本框 20"/>
+          <p:cNvSpPr txBox="1"/>
+          <p:nvPr>
+            <p:custDataLst>
+              <p:tags r:id="rId3"/>
+            </p:custDataLst>
+          </p:nvPr>
+        </p:nvSpPr>
+        <p:spPr>
+          <a:xfrm>
+            <a:off x="669925" y="81915"/>
+            <a:ext cx="8719185" cy="368300"/>
+          </a:xfrm>
+          <a:prstGeom prst="rect">
+            <a:avLst/>
+          </a:prstGeom>
+          <a:noFill/>
+        </p:spPr>
+        <p:txBody>
+          <a:bodyPr wrap="square" rtlCol="0">
+            <a:spAutoFit/>
+          </a:bodyPr>
+          <a:p>
+            <a:r>
+              <a:rPr lang="zh-CN" b="1">
+                <a:solidFill>
+                  <a:schemeClr val="bg1"/>
+                </a:solidFill>
+                <a:sym typeface="+mn-ea"/>
+              </a:rPr>
+              <a:t>EXPERIMENTS</a:t>
+            </a:r>
+            <a:endParaRPr lang="zh-CN" b="1">
+              <a:solidFill>
+                <a:schemeClr val="bg1"/>
+              </a:solidFill>
+              <a:sym typeface="+mn-ea"/>
+            </a:endParaRPr>
+          </a:p>
+        </p:txBody>
+      </p:sp>
+      <p:sp>
+        <p:nvSpPr>
+          <p:cNvPr id="22" name="五边形 21"/>
+          <p:cNvSpPr/>
+          <p:nvPr>
+            <p:custDataLst>
+              <p:tags r:id="rId4"/>
+            </p:custDataLst>
+          </p:nvPr>
+        </p:nvSpPr>
+        <p:spPr>
+          <a:xfrm>
+            <a:off x="48895" y="73025"/>
+            <a:ext cx="687070" cy="372110"/>
+          </a:xfrm>
+          <a:prstGeom prst="homePlate">
+            <a:avLst/>
+          </a:prstGeom>
+          <a:solidFill>
+            <a:schemeClr val="bg1"/>
+          </a:solidFill>
+        </p:spPr>
+        <p:style>
+          <a:lnRef idx="2">
+            <a:schemeClr val="accent1">
+              <a:lumMod val="75000"/>
+            </a:schemeClr>
+          </a:lnRef>
+          <a:fillRef idx="1">
+            <a:schemeClr val="accent1"/>
+          </a:fillRef>
+          <a:effectRef idx="0">
+            <a:srgbClr val="FFFFFF"/>
+          </a:effectRef>
+          <a:fontRef idx="minor">
+            <a:schemeClr val="lt1"/>
+          </a:fontRef>
+        </p:style>
+        <p:txBody>
+          <a:bodyPr rtlCol="0" anchor="ctr"/>
+          <a:p>
+            <a:pPr algn="ctr"/>
+            <a:endParaRPr lang="zh-CN" altLang="en-US"/>
+          </a:p>
+        </p:txBody>
+      </p:sp>
+      <p:sp>
+        <p:nvSpPr>
+          <p:cNvPr id="24" name="文本框 23"/>
+          <p:cNvSpPr txBox="1"/>
+          <p:nvPr>
+            <p:custDataLst>
+              <p:tags r:id="rId5"/>
+            </p:custDataLst>
+          </p:nvPr>
+        </p:nvSpPr>
+        <p:spPr>
+          <a:xfrm>
+            <a:off x="45085" y="36830"/>
+            <a:ext cx="702945" cy="460375"/>
+          </a:xfrm>
+          <a:prstGeom prst="rect">
+            <a:avLst/>
+          </a:prstGeom>
+          <a:noFill/>
+        </p:spPr>
+        <p:txBody>
+          <a:bodyPr wrap="square" rtlCol="0">
+            <a:spAutoFit/>
+          </a:bodyPr>
+          <a:p>
+            <a:pPr algn="l"/>
+            <a:r>
+              <a:rPr lang="en-US" altLang="zh-CN" sz="2400" b="1">
+                <a:solidFill>
+                  <a:schemeClr val="tx1">
+                    <a:lumMod val="75000"/>
+                    <a:lumOff val="25000"/>
+                  </a:schemeClr>
+                </a:solidFill>
+                <a:latin typeface="+mn-ea"/>
+              </a:rPr>
+              <a:t>7</a:t>
+            </a:r>
+            <a:endParaRPr lang="en-US" altLang="zh-CN" sz="2400" b="1">
+              <a:solidFill>
+                <a:schemeClr val="tx1">
+                  <a:lumMod val="75000"/>
+                  <a:lumOff val="25000"/>
+                </a:schemeClr>
+              </a:solidFill>
+              <a:latin typeface="+mn-ea"/>
+            </a:endParaRPr>
+          </a:p>
+        </p:txBody>
+      </p:sp>
+      <p:pic>
+        <p:nvPicPr>
+          <p:cNvPr id="4" name="图片 3"/>
+          <p:cNvPicPr>
+            <a:picLocks noChangeAspect="1"/>
+          </p:cNvPicPr>
+          <p:nvPr/>
+        </p:nvPicPr>
+        <p:blipFill>
+          <a:blip r:embed="rId6"/>
+          <a:stretch>
+            <a:fillRect/>
+          </a:stretch>
+        </p:blipFill>
+        <p:spPr>
+          <a:xfrm>
+            <a:off x="195580" y="720090"/>
+            <a:ext cx="5443220" cy="5899785"/>
+          </a:xfrm>
+          <a:prstGeom prst="rect">
+            <a:avLst/>
+          </a:prstGeom>
+        </p:spPr>
+      </p:pic>
+    </p:spTree>
+  </p:cSld>
+  <p:clrMapOvr>
+    <a:masterClrMapping/>
+  </p:clrMapOvr>
+</p:sld>
+</file>
+
+<file path=ppt/slides/slide15.xml><?xml version="1.0" encoding="utf-8"?>
+<p:sld xmlns:a="http://schemas.openxmlformats.org/drawingml/2006/main" xmlns:r="http://schemas.openxmlformats.org/officeDocument/2006/relationships" xmlns:p="http://schemas.openxmlformats.org/presentationml/2006/main">
+  <p:cSld>
+    <p:spTree>
+      <p:nvGrpSpPr>
+        <p:cNvPr id="1" name=""/>
+        <p:cNvGrpSpPr/>
+        <p:nvPr/>
+      </p:nvGrpSpPr>
+      <p:grpSpPr/>
+      <p:sp>
+        <p:nvSpPr>
+          <p:cNvPr id="19" name="矩形 18"/>
+          <p:cNvSpPr/>
+          <p:nvPr>
+            <p:custDataLst>
+              <p:tags r:id="rId1"/>
+            </p:custDataLst>
+          </p:nvPr>
+        </p:nvSpPr>
+        <p:spPr>
+          <a:xfrm>
+            <a:off x="0" y="0"/>
+            <a:ext cx="12192635" cy="542925"/>
+          </a:xfrm>
+          <a:prstGeom prst="rect">
+            <a:avLst/>
+          </a:prstGeom>
+          <a:solidFill>
+            <a:srgbClr val="1F4E79"/>
+          </a:solidFill>
+        </p:spPr>
+        <p:style>
+          <a:lnRef idx="2">
+            <a:schemeClr val="accent1">
+              <a:lumMod val="75000"/>
+            </a:schemeClr>
+          </a:lnRef>
+          <a:fillRef idx="1">
+            <a:schemeClr val="accent1"/>
+          </a:fillRef>
+          <a:effectRef idx="0">
+            <a:srgbClr val="FFFFFF"/>
+          </a:effectRef>
+          <a:fontRef idx="minor">
+            <a:schemeClr val="lt1"/>
+          </a:fontRef>
+        </p:style>
+        <p:txBody>
+          <a:bodyPr rtlCol="0" anchor="ctr"/>
+          <a:p>
+            <a:pPr algn="ctr"/>
+            <a:endParaRPr lang="zh-CN" altLang="en-US">
+              <a:ln>
+                <a:solidFill>
+                  <a:sysClr val="windowText" lastClr="000000"/>
+                </a:solidFill>
+              </a:ln>
+              <a:solidFill>
+                <a:srgbClr val="1F4E79"/>
+              </a:solidFill>
+            </a:endParaRPr>
+          </a:p>
+        </p:txBody>
+      </p:sp>
+      <p:sp>
+        <p:nvSpPr>
+          <p:cNvPr id="20" name="流程图: 离页连接符 19"/>
+          <p:cNvSpPr/>
+          <p:nvPr>
+            <p:custDataLst>
+              <p:tags r:id="rId2"/>
+            </p:custDataLst>
+          </p:nvPr>
+        </p:nvSpPr>
+        <p:spPr>
+          <a:xfrm>
+            <a:off x="11538585" y="73025"/>
+            <a:ext cx="516255" cy="464185"/>
+          </a:xfrm>
+          <a:prstGeom prst="flowChartOffpageConnector">
+            <a:avLst/>
+          </a:prstGeom>
+          <a:solidFill>
+            <a:schemeClr val="bg1"/>
+          </a:solidFill>
+        </p:spPr>
+        <p:style>
+          <a:lnRef idx="2">
+            <a:schemeClr val="accent1">
+              <a:lumMod val="75000"/>
+            </a:schemeClr>
+          </a:lnRef>
+          <a:fillRef idx="1">
+            <a:schemeClr val="accent1"/>
+          </a:fillRef>
+          <a:effectRef idx="0">
+            <a:srgbClr val="FFFFFF"/>
+          </a:effectRef>
+          <a:fontRef idx="minor">
+            <a:schemeClr val="lt1"/>
+          </a:fontRef>
+        </p:style>
+        <p:txBody>
+          <a:bodyPr rtlCol="0" anchor="ctr"/>
+          <a:p>
+            <a:pPr algn="ctr"/>
+            <a:endParaRPr lang="zh-CN" altLang="en-US"/>
+          </a:p>
+        </p:txBody>
+      </p:sp>
+      <p:sp>
+        <p:nvSpPr>
+          <p:cNvPr id="21" name="文本框 20"/>
+          <p:cNvSpPr txBox="1"/>
+          <p:nvPr>
+            <p:custDataLst>
+              <p:tags r:id="rId3"/>
+            </p:custDataLst>
+          </p:nvPr>
+        </p:nvSpPr>
+        <p:spPr>
+          <a:xfrm>
+            <a:off x="669925" y="81915"/>
+            <a:ext cx="8719185" cy="368300"/>
+          </a:xfrm>
+          <a:prstGeom prst="rect">
+            <a:avLst/>
+          </a:prstGeom>
+          <a:noFill/>
+        </p:spPr>
+        <p:txBody>
+          <a:bodyPr wrap="square" rtlCol="0">
+            <a:spAutoFit/>
+          </a:bodyPr>
+          <a:p>
+            <a:r>
+              <a:rPr lang="zh-CN" b="1">
+                <a:solidFill>
+                  <a:schemeClr val="bg1"/>
+                </a:solidFill>
+                <a:sym typeface="+mn-ea"/>
+              </a:rPr>
+              <a:t>EXPERIMENTS</a:t>
+            </a:r>
+            <a:endParaRPr lang="zh-CN" b="1">
+              <a:solidFill>
+                <a:schemeClr val="bg1"/>
+              </a:solidFill>
+              <a:sym typeface="+mn-ea"/>
+            </a:endParaRPr>
+          </a:p>
+        </p:txBody>
+      </p:sp>
+      <p:sp>
+        <p:nvSpPr>
+          <p:cNvPr id="22" name="五边形 21"/>
+          <p:cNvSpPr/>
+          <p:nvPr>
+            <p:custDataLst>
+              <p:tags r:id="rId4"/>
+            </p:custDataLst>
+          </p:nvPr>
+        </p:nvSpPr>
+        <p:spPr>
+          <a:xfrm>
+            <a:off x="48895" y="73025"/>
+            <a:ext cx="687070" cy="372110"/>
+          </a:xfrm>
+          <a:prstGeom prst="homePlate">
+            <a:avLst/>
+          </a:prstGeom>
+          <a:solidFill>
+            <a:schemeClr val="bg1"/>
+          </a:solidFill>
+        </p:spPr>
+        <p:style>
+          <a:lnRef idx="2">
+            <a:schemeClr val="accent1">
+              <a:lumMod val="75000"/>
+            </a:schemeClr>
+          </a:lnRef>
+          <a:fillRef idx="1">
+            <a:schemeClr val="accent1"/>
+          </a:fillRef>
+          <a:effectRef idx="0">
+            <a:srgbClr val="FFFFFF"/>
+          </a:effectRef>
+          <a:fontRef idx="minor">
+            <a:schemeClr val="lt1"/>
+          </a:fontRef>
+        </p:style>
+        <p:txBody>
+          <a:bodyPr rtlCol="0" anchor="ctr"/>
+          <a:p>
+            <a:pPr algn="ctr"/>
+            <a:endParaRPr lang="zh-CN" altLang="en-US"/>
+          </a:p>
+        </p:txBody>
+      </p:sp>
+      <p:sp>
+        <p:nvSpPr>
+          <p:cNvPr id="24" name="文本框 23"/>
+          <p:cNvSpPr txBox="1"/>
+          <p:nvPr>
+            <p:custDataLst>
+              <p:tags r:id="rId5"/>
+            </p:custDataLst>
+          </p:nvPr>
+        </p:nvSpPr>
+        <p:spPr>
+          <a:xfrm>
+            <a:off x="45085" y="36830"/>
+            <a:ext cx="702945" cy="460375"/>
+          </a:xfrm>
+          <a:prstGeom prst="rect">
+            <a:avLst/>
+          </a:prstGeom>
+          <a:noFill/>
+        </p:spPr>
+        <p:txBody>
+          <a:bodyPr wrap="square" rtlCol="0">
+            <a:spAutoFit/>
+          </a:bodyPr>
+          <a:p>
+            <a:pPr algn="l"/>
+            <a:r>
+              <a:rPr lang="en-US" altLang="zh-CN" sz="2400" b="1">
+                <a:solidFill>
+                  <a:schemeClr val="tx1">
+                    <a:lumMod val="75000"/>
+                    <a:lumOff val="25000"/>
+                  </a:schemeClr>
+                </a:solidFill>
+                <a:latin typeface="+mn-ea"/>
+              </a:rPr>
+              <a:t>7</a:t>
+            </a:r>
+            <a:endParaRPr lang="en-US" altLang="zh-CN" sz="2400" b="1">
+              <a:solidFill>
+                <a:schemeClr val="tx1">
+                  <a:lumMod val="75000"/>
+                  <a:lumOff val="25000"/>
+                </a:schemeClr>
+              </a:solidFill>
+              <a:latin typeface="+mn-ea"/>
+            </a:endParaRPr>
+          </a:p>
+        </p:txBody>
+      </p:sp>
+      <p:pic>
+        <p:nvPicPr>
+          <p:cNvPr id="5" name="图片 4"/>
+          <p:cNvPicPr>
+            <a:picLocks noChangeAspect="1"/>
+          </p:cNvPicPr>
+          <p:nvPr/>
+        </p:nvPicPr>
+        <p:blipFill>
+          <a:blip r:embed="rId6"/>
+          <a:stretch>
+            <a:fillRect/>
+          </a:stretch>
+        </p:blipFill>
+        <p:spPr>
+          <a:xfrm>
+            <a:off x="612140" y="911860"/>
+            <a:ext cx="6242685" cy="4194810"/>
+          </a:xfrm>
+          <a:prstGeom prst="rect">
+            <a:avLst/>
+          </a:prstGeom>
+        </p:spPr>
+      </p:pic>
     </p:spTree>
   </p:cSld>
   <p:clrMapOvr>
@@ -7577,12 +9402,13 @@
                 </a:solidFill>
                 <a:sym typeface="+mn-ea"/>
               </a:rPr>
-              <a:t>The Temporal IPS Method</a:t>
+              <a:t>The Temporal Doubly Robust Method</a:t>
             </a:r>
             <a:endParaRPr lang="zh-CN" b="1">
               <a:solidFill>
                 <a:schemeClr val="bg1"/>
               </a:solidFill>
+              <a:sym typeface="+mn-ea"/>
             </a:endParaRPr>
           </a:p>
         </p:txBody>
@@ -7669,7 +9495,7 @@
                 </a:solidFill>
                 <a:latin typeface="+mn-ea"/>
               </a:rPr>
-              <a:t>4</a:t>
+              <a:t>5</a:t>
             </a:r>
             <a:endParaRPr lang="en-US" altLang="zh-CN" sz="2400" b="1">
               <a:solidFill>
@@ -8099,7 +9925,37 @@
 
 <file path=ppt/tags/tag124.xml><?xml version="1.0" encoding="utf-8"?>
 <p:tagLst xmlns:p="http://schemas.openxmlformats.org/presentationml/2006/main">
-  <p:tag name="commondata" val="eyJoZGlkIjoiZmQ0MjkyNGE2MmNjNmIwZDI0ODlkNWIxMDQ3NzBhZGEifQ=="/>
+  <p:tag name="KSO_WM_BEAUTIFY_FLAG" val=""/>
+</p:tagLst>
+</file>
+
+<file path=ppt/tags/tag125.xml><?xml version="1.0" encoding="utf-8"?>
+<p:tagLst xmlns:p="http://schemas.openxmlformats.org/presentationml/2006/main">
+  <p:tag name="KSO_WM_BEAUTIFY_FLAG" val=""/>
+</p:tagLst>
+</file>
+
+<file path=ppt/tags/tag126.xml><?xml version="1.0" encoding="utf-8"?>
+<p:tagLst xmlns:p="http://schemas.openxmlformats.org/presentationml/2006/main">
+  <p:tag name="KSO_WM_BEAUTIFY_FLAG" val=""/>
+</p:tagLst>
+</file>
+
+<file path=ppt/tags/tag127.xml><?xml version="1.0" encoding="utf-8"?>
+<p:tagLst xmlns:p="http://schemas.openxmlformats.org/presentationml/2006/main">
+  <p:tag name="KSO_WM_BEAUTIFY_FLAG" val=""/>
+</p:tagLst>
+</file>
+
+<file path=ppt/tags/tag128.xml><?xml version="1.0" encoding="utf-8"?>
+<p:tagLst xmlns:p="http://schemas.openxmlformats.org/presentationml/2006/main">
+  <p:tag name="KSO_WM_BEAUTIFY_FLAG" val=""/>
+</p:tagLst>
+</file>
+
+<file path=ppt/tags/tag129.xml><?xml version="1.0" encoding="utf-8"?>
+<p:tagLst xmlns:p="http://schemas.openxmlformats.org/presentationml/2006/main">
+  <p:tag name="KSO_WM_BEAUTIFY_FLAG" val=""/>
 </p:tagLst>
 </file>
 
@@ -8116,6 +9972,66 @@
 </p:tagLst>
 </file>
 
+<file path=ppt/tags/tag130.xml><?xml version="1.0" encoding="utf-8"?>
+<p:tagLst xmlns:p="http://schemas.openxmlformats.org/presentationml/2006/main">
+  <p:tag name="KSO_WM_BEAUTIFY_FLAG" val=""/>
+</p:tagLst>
+</file>
+
+<file path=ppt/tags/tag131.xml><?xml version="1.0" encoding="utf-8"?>
+<p:tagLst xmlns:p="http://schemas.openxmlformats.org/presentationml/2006/main">
+  <p:tag name="KSO_WM_BEAUTIFY_FLAG" val=""/>
+</p:tagLst>
+</file>
+
+<file path=ppt/tags/tag132.xml><?xml version="1.0" encoding="utf-8"?>
+<p:tagLst xmlns:p="http://schemas.openxmlformats.org/presentationml/2006/main">
+  <p:tag name="KSO_WM_BEAUTIFY_FLAG" val=""/>
+</p:tagLst>
+</file>
+
+<file path=ppt/tags/tag133.xml><?xml version="1.0" encoding="utf-8"?>
+<p:tagLst xmlns:p="http://schemas.openxmlformats.org/presentationml/2006/main">
+  <p:tag name="KSO_WM_BEAUTIFY_FLAG" val=""/>
+</p:tagLst>
+</file>
+
+<file path=ppt/tags/tag134.xml><?xml version="1.0" encoding="utf-8"?>
+<p:tagLst xmlns:p="http://schemas.openxmlformats.org/presentationml/2006/main">
+  <p:tag name="KSO_WM_BEAUTIFY_FLAG" val=""/>
+</p:tagLst>
+</file>
+
+<file path=ppt/tags/tag135.xml><?xml version="1.0" encoding="utf-8"?>
+<p:tagLst xmlns:p="http://schemas.openxmlformats.org/presentationml/2006/main">
+  <p:tag name="KSO_WM_BEAUTIFY_FLAG" val=""/>
+</p:tagLst>
+</file>
+
+<file path=ppt/tags/tag136.xml><?xml version="1.0" encoding="utf-8"?>
+<p:tagLst xmlns:p="http://schemas.openxmlformats.org/presentationml/2006/main">
+  <p:tag name="KSO_WM_BEAUTIFY_FLAG" val=""/>
+</p:tagLst>
+</file>
+
+<file path=ppt/tags/tag137.xml><?xml version="1.0" encoding="utf-8"?>
+<p:tagLst xmlns:p="http://schemas.openxmlformats.org/presentationml/2006/main">
+  <p:tag name="KSO_WM_BEAUTIFY_FLAG" val=""/>
+</p:tagLst>
+</file>
+
+<file path=ppt/tags/tag138.xml><?xml version="1.0" encoding="utf-8"?>
+<p:tagLst xmlns:p="http://schemas.openxmlformats.org/presentationml/2006/main">
+  <p:tag name="KSO_WM_BEAUTIFY_FLAG" val=""/>
+</p:tagLst>
+</file>
+
+<file path=ppt/tags/tag139.xml><?xml version="1.0" encoding="utf-8"?>
+<p:tagLst xmlns:p="http://schemas.openxmlformats.org/presentationml/2006/main">
+  <p:tag name="KSO_WM_BEAUTIFY_FLAG" val=""/>
+</p:tagLst>
+</file>
+
 <file path=ppt/tags/tag14.xml><?xml version="1.0" encoding="utf-8"?>
 <p:tagLst xmlns:p="http://schemas.openxmlformats.org/presentationml/2006/main">
   <p:tag name="KSO_WM_UNIT_HIGHLIGHT" val="0"/>
@@ -8126,6 +10042,66 @@
   <p:tag name="KSO_WM_UNIT_LAYERLEVEL" val="1"/>
   <p:tag name="KSO_WM_TAG_VERSION" val="1.0"/>
   <p:tag name="KSO_WM_BEAUTIFY_FLAG" val="#wm#"/>
+</p:tagLst>
+</file>
+
+<file path=ppt/tags/tag140.xml><?xml version="1.0" encoding="utf-8"?>
+<p:tagLst xmlns:p="http://schemas.openxmlformats.org/presentationml/2006/main">
+  <p:tag name="KSO_WM_BEAUTIFY_FLAG" val=""/>
+</p:tagLst>
+</file>
+
+<file path=ppt/tags/tag141.xml><?xml version="1.0" encoding="utf-8"?>
+<p:tagLst xmlns:p="http://schemas.openxmlformats.org/presentationml/2006/main">
+  <p:tag name="KSO_WM_BEAUTIFY_FLAG" val=""/>
+</p:tagLst>
+</file>
+
+<file path=ppt/tags/tag142.xml><?xml version="1.0" encoding="utf-8"?>
+<p:tagLst xmlns:p="http://schemas.openxmlformats.org/presentationml/2006/main">
+  <p:tag name="KSO_WM_BEAUTIFY_FLAG" val=""/>
+</p:tagLst>
+</file>
+
+<file path=ppt/tags/tag143.xml><?xml version="1.0" encoding="utf-8"?>
+<p:tagLst xmlns:p="http://schemas.openxmlformats.org/presentationml/2006/main">
+  <p:tag name="KSO_WM_BEAUTIFY_FLAG" val=""/>
+</p:tagLst>
+</file>
+
+<file path=ppt/tags/tag144.xml><?xml version="1.0" encoding="utf-8"?>
+<p:tagLst xmlns:p="http://schemas.openxmlformats.org/presentationml/2006/main">
+  <p:tag name="KSO_WM_BEAUTIFY_FLAG" val=""/>
+</p:tagLst>
+</file>
+
+<file path=ppt/tags/tag145.xml><?xml version="1.0" encoding="utf-8"?>
+<p:tagLst xmlns:p="http://schemas.openxmlformats.org/presentationml/2006/main">
+  <p:tag name="KSO_WM_BEAUTIFY_FLAG" val=""/>
+</p:tagLst>
+</file>
+
+<file path=ppt/tags/tag146.xml><?xml version="1.0" encoding="utf-8"?>
+<p:tagLst xmlns:p="http://schemas.openxmlformats.org/presentationml/2006/main">
+  <p:tag name="KSO_WM_BEAUTIFY_FLAG" val=""/>
+</p:tagLst>
+</file>
+
+<file path=ppt/tags/tag147.xml><?xml version="1.0" encoding="utf-8"?>
+<p:tagLst xmlns:p="http://schemas.openxmlformats.org/presentationml/2006/main">
+  <p:tag name="KSO_WM_BEAUTIFY_FLAG" val=""/>
+</p:tagLst>
+</file>
+
+<file path=ppt/tags/tag148.xml><?xml version="1.0" encoding="utf-8"?>
+<p:tagLst xmlns:p="http://schemas.openxmlformats.org/presentationml/2006/main">
+  <p:tag name="KSO_WM_BEAUTIFY_FLAG" val=""/>
+</p:tagLst>
+</file>
+
+<file path=ppt/tags/tag149.xml><?xml version="1.0" encoding="utf-8"?>
+<p:tagLst xmlns:p="http://schemas.openxmlformats.org/presentationml/2006/main">
+  <p:tag name="commondata" val="eyJoZGlkIjoiMDExNzEzMDBjMzgwNDljNmJlYzQzNTFmMzY5NDdhYzAifQ=="/>
 </p:tagLst>
 </file>
 
